--- a/Bujon_Guillaume_3_support_presentation_112024.pptx
+++ b/Bujon_Guillaume_3_support_presentation_112024.pptx
@@ -317,7 +317,7 @@
             <a:fld id="{B61BEF0D-F0BB-DE4B-95CE-6DB70DBA9567}" type="datetimeFigureOut">
               <a:rPr lang="en-US" dirty="0"/>
               <a:pPr/>
-              <a:t>12/2/2024</a:t>
+              <a:t>12/5/2024</a:t>
             </a:fld>
             <a:endParaRPr lang="en-US" dirty="0"/>
           </a:p>
@@ -652,7 +652,7 @@
             <a:fld id="{B61BEF0D-F0BB-DE4B-95CE-6DB70DBA9567}" type="datetimeFigureOut">
               <a:rPr lang="en-US" dirty="0"/>
               <a:pPr/>
-              <a:t>12/2/2024</a:t>
+              <a:t>12/5/2024</a:t>
             </a:fld>
             <a:endParaRPr lang="en-US" dirty="0"/>
           </a:p>
@@ -1050,7 +1050,7 @@
             <a:fld id="{B61BEF0D-F0BB-DE4B-95CE-6DB70DBA9567}" type="datetimeFigureOut">
               <a:rPr lang="en-US" dirty="0"/>
               <a:pPr/>
-              <a:t>12/2/2024</a:t>
+              <a:t>12/5/2024</a:t>
             </a:fld>
             <a:endParaRPr lang="en-US" dirty="0"/>
           </a:p>
@@ -1383,7 +1383,7 @@
             <a:fld id="{B61BEF0D-F0BB-DE4B-95CE-6DB70DBA9567}" type="datetimeFigureOut">
               <a:rPr lang="en-US" dirty="0"/>
               <a:pPr/>
-              <a:t>12/2/2024</a:t>
+              <a:t>12/5/2024</a:t>
             </a:fld>
             <a:endParaRPr lang="en-US" dirty="0"/>
           </a:p>
@@ -1700,7 +1700,7 @@
             <a:fld id="{B61BEF0D-F0BB-DE4B-95CE-6DB70DBA9567}" type="datetimeFigureOut">
               <a:rPr lang="en-US" dirty="0"/>
               <a:pPr/>
-              <a:t>12/2/2024</a:t>
+              <a:t>12/5/2024</a:t>
             </a:fld>
             <a:endParaRPr lang="en-US" dirty="0"/>
           </a:p>
@@ -2093,7 +2093,7 @@
             <a:fld id="{B61BEF0D-F0BB-DE4B-95CE-6DB70DBA9567}" type="datetimeFigureOut">
               <a:rPr lang="en-US" dirty="0"/>
               <a:pPr/>
-              <a:t>12/2/2024</a:t>
+              <a:t>12/5/2024</a:t>
             </a:fld>
             <a:endParaRPr lang="en-US" dirty="0"/>
           </a:p>
@@ -2347,7 +2347,7 @@
             <a:fld id="{B61BEF0D-F0BB-DE4B-95CE-6DB70DBA9567}" type="datetimeFigureOut">
               <a:rPr lang="en-US" dirty="0"/>
               <a:pPr/>
-              <a:t>12/2/2024</a:t>
+              <a:t>12/5/2024</a:t>
             </a:fld>
             <a:endParaRPr lang="en-US" dirty="0"/>
           </a:p>
@@ -2606,7 +2606,7 @@
             <a:fld id="{B61BEF0D-F0BB-DE4B-95CE-6DB70DBA9567}" type="datetimeFigureOut">
               <a:rPr lang="en-US" dirty="0"/>
               <a:pPr/>
-              <a:t>12/2/2024</a:t>
+              <a:t>12/5/2024</a:t>
             </a:fld>
             <a:endParaRPr lang="en-US" dirty="0"/>
           </a:p>
@@ -2865,7 +2865,7 @@
             <a:fld id="{B61BEF0D-F0BB-DE4B-95CE-6DB70DBA9567}" type="datetimeFigureOut">
               <a:rPr lang="en-US" dirty="0"/>
               <a:pPr/>
-              <a:t>12/2/2024</a:t>
+              <a:t>12/5/2024</a:t>
             </a:fld>
             <a:endParaRPr lang="en-US" dirty="0"/>
           </a:p>
@@ -3191,7 +3191,7 @@
             <a:fld id="{B61BEF0D-F0BB-DE4B-95CE-6DB70DBA9567}" type="datetimeFigureOut">
               <a:rPr lang="en-US" dirty="0"/>
               <a:pPr/>
-              <a:t>12/2/2024</a:t>
+              <a:t>12/5/2024</a:t>
             </a:fld>
             <a:endParaRPr lang="en-US" dirty="0"/>
           </a:p>
@@ -3511,7 +3511,7 @@
             <a:fld id="{B61BEF0D-F0BB-DE4B-95CE-6DB70DBA9567}" type="datetimeFigureOut">
               <a:rPr lang="en-US" dirty="0"/>
               <a:pPr/>
-              <a:t>12/2/2024</a:t>
+              <a:t>12/5/2024</a:t>
             </a:fld>
             <a:endParaRPr lang="en-US" dirty="0"/>
           </a:p>
@@ -3965,7 +3965,7 @@
             <a:fld id="{B61BEF0D-F0BB-DE4B-95CE-6DB70DBA9567}" type="datetimeFigureOut">
               <a:rPr lang="en-US" dirty="0"/>
               <a:pPr/>
-              <a:t>12/2/2024</a:t>
+              <a:t>12/5/2024</a:t>
             </a:fld>
             <a:endParaRPr lang="en-US" dirty="0"/>
           </a:p>
@@ -4167,7 +4167,7 @@
             <a:fld id="{B61BEF0D-F0BB-DE4B-95CE-6DB70DBA9567}" type="datetimeFigureOut">
               <a:rPr lang="en-US" dirty="0"/>
               <a:pPr/>
-              <a:t>12/2/2024</a:t>
+              <a:t>12/5/2024</a:t>
             </a:fld>
             <a:endParaRPr lang="en-US" dirty="0"/>
           </a:p>
@@ -4341,7 +4341,7 @@
             <a:fld id="{B61BEF0D-F0BB-DE4B-95CE-6DB70DBA9567}" type="datetimeFigureOut">
               <a:rPr lang="en-US" dirty="0"/>
               <a:pPr/>
-              <a:t>12/2/2024</a:t>
+              <a:t>12/5/2024</a:t>
             </a:fld>
             <a:endParaRPr lang="en-US" dirty="0"/>
           </a:p>
@@ -4671,7 +4671,7 @@
             <a:fld id="{B61BEF0D-F0BB-DE4B-95CE-6DB70DBA9567}" type="datetimeFigureOut">
               <a:rPr lang="en-US" dirty="0"/>
               <a:pPr/>
-              <a:t>12/2/2024</a:t>
+              <a:t>12/5/2024</a:t>
             </a:fld>
             <a:endParaRPr lang="en-US" dirty="0"/>
           </a:p>
@@ -5013,7 +5013,7 @@
             <a:fld id="{B61BEF0D-F0BB-DE4B-95CE-6DB70DBA9567}" type="datetimeFigureOut">
               <a:rPr lang="en-US" dirty="0"/>
               <a:pPr/>
-              <a:t>12/2/2024</a:t>
+              <a:t>12/5/2024</a:t>
             </a:fld>
             <a:endParaRPr lang="en-US" dirty="0"/>
           </a:p>
@@ -7127,7 +7127,7 @@
             <a:fld id="{B61BEF0D-F0BB-DE4B-95CE-6DB70DBA9567}" type="datetimeFigureOut">
               <a:rPr lang="en-US" dirty="0"/>
               <a:pPr/>
-              <a:t>12/2/2024</a:t>
+              <a:t>12/5/2024</a:t>
             </a:fld>
             <a:endParaRPr lang="en-US" dirty="0"/>
           </a:p>
@@ -7965,7 +7965,19 @@
             <a:pPr lvl="1"/>
             <a:r>
               <a:rPr lang="fr-FR" dirty="0"/>
-              <a:t>Gestion des tâches: création, modification , rappels</a:t>
+              <a:t>Gestion des tâches: création</a:t>
+            </a:r>
+            <a:r>
+              <a:rPr lang="fr-FR"/>
+              <a:t>, </a:t>
+            </a:r>
+            <a:r>
+              <a:rPr lang="fr-FR" smtClean="0"/>
+              <a:t>modification, </a:t>
+            </a:r>
+            <a:r>
+              <a:rPr lang="fr-FR" dirty="0"/>
+              <a:t>rappels</a:t>
             </a:r>
           </a:p>
           <a:p>
